--- a/lectures/lecture1/Course-overview.pptx
+++ b/lectures/lecture1/Course-overview.pptx
@@ -113,6 +113,22 @@
       </a:defRPr>
     </a:lvl9pPr>
   </p:defaultTextStyle>
+  <p:extLst>
+    <p:ext uri="{EFAFB233-063F-42B5-8137-9DF3F51BA10A}">
+      <p15:sldGuideLst xmlns:p15="http://schemas.microsoft.com/office/powerpoint/2012/main">
+        <p15:guide id="1" orient="horz" pos="2160">
+          <p15:clr>
+            <a:srgbClr val="A4A3A4"/>
+          </p15:clr>
+        </p15:guide>
+        <p15:guide id="2" pos="2880">
+          <p15:clr>
+            <a:srgbClr val="A4A3A4"/>
+          </p15:clr>
+        </p15:guide>
+      </p15:sldGuideLst>
+    </p:ext>
+  </p:extLst>
 </p:presentation>
 </file>
 
@@ -198,7 +214,7 @@
           <a:p>
             <a:fld id="{1F1F7F9C-49D3-454E-9B8D-9A9D1603A87C}" type="datetimeFigureOut">
               <a:rPr lang="en-US" smtClean="0"/>
-              <a:t>1/10/17</a:t>
+              <a:t>1/8/18</a:t>
             </a:fld>
             <a:endParaRPr lang="en-US"/>
           </a:p>
@@ -647,7 +663,7 @@
           <a:p>
             <a:fld id="{09D0395C-8A5B-CA45-A966-25AB2CC68A80}" type="datetimeFigureOut">
               <a:rPr lang="en-US" smtClean="0"/>
-              <a:t>1/10/17</a:t>
+              <a:t>1/8/18</a:t>
             </a:fld>
             <a:endParaRPr lang="en-US"/>
           </a:p>
@@ -817,7 +833,7 @@
           <a:p>
             <a:fld id="{09D0395C-8A5B-CA45-A966-25AB2CC68A80}" type="datetimeFigureOut">
               <a:rPr lang="en-US" smtClean="0"/>
-              <a:t>1/10/17</a:t>
+              <a:t>1/8/18</a:t>
             </a:fld>
             <a:endParaRPr lang="en-US"/>
           </a:p>
@@ -997,7 +1013,7 @@
           <a:p>
             <a:fld id="{09D0395C-8A5B-CA45-A966-25AB2CC68A80}" type="datetimeFigureOut">
               <a:rPr lang="en-US" smtClean="0"/>
-              <a:t>1/10/17</a:t>
+              <a:t>1/8/18</a:t>
             </a:fld>
             <a:endParaRPr lang="en-US"/>
           </a:p>
@@ -1167,7 +1183,7 @@
           <a:p>
             <a:fld id="{09D0395C-8A5B-CA45-A966-25AB2CC68A80}" type="datetimeFigureOut">
               <a:rPr lang="en-US" smtClean="0"/>
-              <a:t>1/10/17</a:t>
+              <a:t>1/8/18</a:t>
             </a:fld>
             <a:endParaRPr lang="en-US"/>
           </a:p>
@@ -1413,7 +1429,7 @@
           <a:p>
             <a:fld id="{09D0395C-8A5B-CA45-A966-25AB2CC68A80}" type="datetimeFigureOut">
               <a:rPr lang="en-US" smtClean="0"/>
-              <a:t>1/10/17</a:t>
+              <a:t>1/8/18</a:t>
             </a:fld>
             <a:endParaRPr lang="en-US"/>
           </a:p>
@@ -1701,7 +1717,7 @@
           <a:p>
             <a:fld id="{09D0395C-8A5B-CA45-A966-25AB2CC68A80}" type="datetimeFigureOut">
               <a:rPr lang="en-US" smtClean="0"/>
-              <a:t>1/10/17</a:t>
+              <a:t>1/8/18</a:t>
             </a:fld>
             <a:endParaRPr lang="en-US"/>
           </a:p>
@@ -2123,7 +2139,7 @@
           <a:p>
             <a:fld id="{09D0395C-8A5B-CA45-A966-25AB2CC68A80}" type="datetimeFigureOut">
               <a:rPr lang="en-US" smtClean="0"/>
-              <a:t>1/10/17</a:t>
+              <a:t>1/8/18</a:t>
             </a:fld>
             <a:endParaRPr lang="en-US"/>
           </a:p>
@@ -2241,7 +2257,7 @@
           <a:p>
             <a:fld id="{09D0395C-8A5B-CA45-A966-25AB2CC68A80}" type="datetimeFigureOut">
               <a:rPr lang="en-US" smtClean="0"/>
-              <a:t>1/10/17</a:t>
+              <a:t>1/8/18</a:t>
             </a:fld>
             <a:endParaRPr lang="en-US"/>
           </a:p>
@@ -2336,7 +2352,7 @@
           <a:p>
             <a:fld id="{09D0395C-8A5B-CA45-A966-25AB2CC68A80}" type="datetimeFigureOut">
               <a:rPr lang="en-US" smtClean="0"/>
-              <a:t>1/10/17</a:t>
+              <a:t>1/8/18</a:t>
             </a:fld>
             <a:endParaRPr lang="en-US"/>
           </a:p>
@@ -2613,7 +2629,7 @@
           <a:p>
             <a:fld id="{09D0395C-8A5B-CA45-A966-25AB2CC68A80}" type="datetimeFigureOut">
               <a:rPr lang="en-US" smtClean="0"/>
-              <a:t>1/10/17</a:t>
+              <a:t>1/8/18</a:t>
             </a:fld>
             <a:endParaRPr lang="en-US"/>
           </a:p>
@@ -2866,7 +2882,7 @@
           <a:p>
             <a:fld id="{09D0395C-8A5B-CA45-A966-25AB2CC68A80}" type="datetimeFigureOut">
               <a:rPr lang="en-US" smtClean="0"/>
-              <a:t>1/10/17</a:t>
+              <a:t>1/8/18</a:t>
             </a:fld>
             <a:endParaRPr lang="en-US"/>
           </a:p>
@@ -3079,7 +3095,7 @@
           <a:p>
             <a:fld id="{09D0395C-8A5B-CA45-A966-25AB2CC68A80}" type="datetimeFigureOut">
               <a:rPr lang="en-US" smtClean="0"/>
-              <a:t>1/10/17</a:t>
+              <a:t>1/8/18</a:t>
             </a:fld>
             <a:endParaRPr lang="en-US"/>
           </a:p>
@@ -3482,7 +3498,15 @@
                   <a:srgbClr val="0000FF"/>
                 </a:solidFill>
               </a:rPr>
-              <a:t>MIT Course 18.S096, IAP 2017</a:t>
+              <a:t>MIT Course 18.S096, IAP </a:t>
+            </a:r>
+            <a:r>
+              <a:rPr lang="en-US" dirty="0" smtClean="0">
+                <a:solidFill>
+                  <a:srgbClr val="0000FF"/>
+                </a:solidFill>
+              </a:rPr>
+              <a:t>2018</a:t>
             </a:r>
             <a:r>
               <a:rPr lang="en-US" dirty="0" smtClean="0">
@@ -3560,7 +3584,7 @@
                   <a:srgbClr val="0000FF"/>
                 </a:solidFill>
               </a:rPr>
-              <a:t>Alan </a:t>
+              <a:t>Alan Edelman &amp; Steven G. </a:t>
             </a:r>
             <a:r>
               <a:rPr lang="en-US" dirty="0" smtClean="0">
@@ -3568,15 +3592,17 @@
                   <a:srgbClr val="0000FF"/>
                 </a:solidFill>
               </a:rPr>
-              <a:t>Edelman &amp; </a:t>
-            </a:r>
+              <a:t>Johnson,</a:t>
+            </a:r>
+          </a:p>
+          <a:p>
             <a:r>
               <a:rPr lang="en-US" dirty="0" smtClean="0">
                 <a:solidFill>
                   <a:srgbClr val="0000FF"/>
                 </a:solidFill>
               </a:rPr>
-              <a:t>Steven </a:t>
+              <a:t>MIT Applied </a:t>
             </a:r>
             <a:r>
               <a:rPr lang="en-US" dirty="0" smtClean="0">
@@ -3584,51 +3610,7 @@
                   <a:srgbClr val="0000FF"/>
                 </a:solidFill>
               </a:rPr>
-              <a:t>G. Johnson, MIT </a:t>
-            </a:r>
-            <a:r>
-              <a:rPr lang="en-US" dirty="0" smtClean="0">
-                <a:solidFill>
-                  <a:srgbClr val="0000FF"/>
-                </a:solidFill>
-              </a:rPr>
-              <a:t>Appl. Math</a:t>
-            </a:r>
-          </a:p>
-          <a:p>
-            <a:r>
-              <a:rPr lang="en-US" dirty="0" smtClean="0">
-                <a:solidFill>
-                  <a:srgbClr val="0000FF"/>
-                </a:solidFill>
-              </a:rPr>
-              <a:t>David P. Sanders, UNAM</a:t>
-            </a:r>
-          </a:p>
-          <a:p>
-            <a:r>
-              <a:rPr lang="en-US" dirty="0" smtClean="0">
-                <a:solidFill>
-                  <a:srgbClr val="0000FF"/>
-                </a:solidFill>
-              </a:rPr>
-              <a:t>Jeff </a:t>
-            </a:r>
-            <a:r>
-              <a:rPr lang="en-US" dirty="0" err="1" smtClean="0">
-                <a:solidFill>
-                  <a:srgbClr val="0000FF"/>
-                </a:solidFill>
-              </a:rPr>
-              <a:t>Bezanson</a:t>
-            </a:r>
-            <a:r>
-              <a:rPr lang="en-US" dirty="0" smtClean="0">
-                <a:solidFill>
-                  <a:srgbClr val="0000FF"/>
-                </a:solidFill>
-              </a:rPr>
-              <a:t>, Julia Computing</a:t>
+              <a:t>Math</a:t>
             </a:r>
           </a:p>
           <a:p>
@@ -3653,23 +3635,31 @@
                   <a:schemeClr val="tx1"/>
                 </a:solidFill>
               </a:rPr>
-              <a:t>math.mit.edu</a:t>
+              <a:t>github.com</a:t>
             </a:r>
             <a:r>
               <a:rPr lang="en-US" dirty="0">
-                <a:solidFill>
-                  <a:schemeClr val="tx1"/>
-                </a:solidFill>
-              </a:rPr>
-              <a:t>/classes/18.S096/iap17</a:t>
-            </a:r>
-            <a:r>
-              <a:rPr lang="en-US" dirty="0" smtClean="0">
                 <a:solidFill>
                   <a:schemeClr val="tx1"/>
                 </a:solidFill>
               </a:rPr>
               <a:t>/</a:t>
+            </a:r>
+            <a:r>
+              <a:rPr lang="en-US" dirty="0" err="1">
+                <a:solidFill>
+                  <a:schemeClr val="tx1"/>
+                </a:solidFill>
+              </a:rPr>
+              <a:t>stevengj</a:t>
+            </a:r>
+            <a:r>
+              <a:rPr lang="en-US" dirty="0">
+                <a:solidFill>
+                  <a:schemeClr val="tx1"/>
+                </a:solidFill>
+              </a:rPr>
+              <a:t>/18S096</a:t>
             </a:r>
             <a:endParaRPr lang="en-US" dirty="0">
               <a:solidFill>
@@ -3692,7 +3682,7 @@
   <p:timing>
     <p:tnLst>
       <p:par>
-        <p:cTn xmlns:p14="http://schemas.microsoft.com/office/powerpoint/2010/main" id="1" dur="indefinite" restart="never" nodeType="tmRoot"/>
+        <p:cTn id="1" dur="indefinite" restart="never" nodeType="tmRoot"/>
       </p:par>
     </p:tnLst>
   </p:timing>
@@ -3756,13 +3746,21 @@
           <a:p>
             <a:r>
               <a:rPr lang="en-US" dirty="0" smtClean="0"/>
-              <a:t>Lectures Tues/Wed/Fri at 2pm</a:t>
-            </a:r>
-          </a:p>
-          <a:p>
+              <a:t>Lectures Tues/Wed/Fri </a:t>
+            </a:r>
             <a:r>
               <a:rPr lang="en-US" dirty="0" smtClean="0"/>
-              <a:t>“Lab” Thursday 2pm: Programming practice</a:t>
+              <a:t>2–4pm, 2-135</a:t>
+            </a:r>
+          </a:p>
+          <a:p>
+            <a:r>
+              <a:rPr lang="en-US" dirty="0" smtClean="0"/>
+              <a:t>“Lab</a:t>
+            </a:r>
+            <a:r>
+              <a:rPr lang="en-US" dirty="0" smtClean="0"/>
+              <a:t>” Thursday 2pm: Programming practice</a:t>
             </a:r>
           </a:p>
           <a:p>
@@ -3787,21 +3785,15 @@
                   <a:srgbClr val="FF0000"/>
                 </a:solidFill>
               </a:rPr>
-              <a:t>We give you slow code, you give us fast code</a:t>
-            </a:r>
-          </a:p>
-          <a:p>
-            <a:pPr lvl="1"/>
-            <a:r>
-              <a:rPr lang="en-US" dirty="0" smtClean="0"/>
-              <a:t>Token prize (unrelated to grade) for fastest code</a:t>
-            </a:r>
-            <a:endParaRPr lang="en-US" dirty="0"/>
-          </a:p>
-          <a:p>
-            <a:r>
-              <a:rPr lang="en-US" dirty="0" smtClean="0"/>
-              <a:t>4 units, A–F grading</a:t>
+              <a:t>We give you slow code, you give us fast </a:t>
+            </a:r>
+            <a:r>
+              <a:rPr lang="en-US" dirty="0" smtClean="0">
+                <a:solidFill>
+                  <a:srgbClr val="FF0000"/>
+                </a:solidFill>
+              </a:rPr>
+              <a:t>code</a:t>
             </a:r>
           </a:p>
         </p:txBody>
@@ -3953,7 +3945,7 @@
   <p:timing>
     <p:tnLst>
       <p:par>
-        <p:cTn xmlns:p14="http://schemas.microsoft.com/office/powerpoint/2010/main" id="1" dur="indefinite" restart="never" nodeType="tmRoot"/>
+        <p:cTn id="1" dur="indefinite" restart="never" nodeType="tmRoot"/>
       </p:par>
     </p:tnLst>
   </p:timing>
@@ -4415,23 +4407,7 @@
             <a:pPr algn="ctr"/>
             <a:r>
               <a:rPr lang="en-US" dirty="0" smtClean="0"/>
-              <a:t>“</a:t>
-            </a:r>
-            <a:r>
-              <a:rPr lang="en-US" dirty="0" smtClean="0"/>
-              <a:t>0.5” </a:t>
-            </a:r>
-            <a:r>
-              <a:rPr lang="en-US" dirty="0" smtClean="0"/>
-              <a:t>release in Fall </a:t>
-            </a:r>
-            <a:r>
-              <a:rPr lang="en-US" dirty="0" smtClean="0"/>
-              <a:t>2016 </a:t>
-            </a:r>
-            <a:r>
-              <a:rPr lang="en-US" dirty="0" smtClean="0"/>
-              <a:t>]</a:t>
+              <a:t>“0.5” release in Fall 2016 ]</a:t>
             </a:r>
             <a:endParaRPr lang="en-US" dirty="0"/>
           </a:p>
@@ -4870,7 +4846,7 @@
   <p:timing>
     <p:tnLst>
       <p:par>
-        <p:cTn xmlns:p14="http://schemas.microsoft.com/office/powerpoint/2010/main" id="1" dur="indefinite" restart="never" nodeType="tmRoot"/>
+        <p:cTn id="1" dur="indefinite" restart="never" nodeType="tmRoot"/>
       </p:par>
     </p:tnLst>
   </p:timing>
@@ -4982,7 +4958,15 @@
             <a:pPr lvl="1"/>
             <a:r>
               <a:rPr lang="en-US" dirty="0" smtClean="0"/>
-              <a:t>Download Julia 0.5 from </a:t>
+              <a:t>Download Julia </a:t>
+            </a:r>
+            <a:r>
+              <a:rPr lang="en-US" dirty="0" smtClean="0"/>
+              <a:t>0.6 </a:t>
+            </a:r>
+            <a:r>
+              <a:rPr lang="en-US" dirty="0" smtClean="0"/>
+              <a:t>from </a:t>
             </a:r>
             <a:r>
               <a:rPr lang="en-US" dirty="0" err="1" smtClean="0">
@@ -5055,10 +5039,6 @@
           </a:p>
           <a:p>
             <a:pPr lvl="1"/>
-            <a:endParaRPr lang="en-US" dirty="0"/>
-          </a:p>
-          <a:p>
-            <a:pPr lvl="1"/>
             <a:endParaRPr lang="en-US" dirty="0" smtClean="0"/>
           </a:p>
           <a:p>
@@ -5080,7 +5060,7 @@
         <p:spPr>
           <a:xfrm>
             <a:off x="2314908" y="4265514"/>
-            <a:ext cx="3693890" cy="830997"/>
+            <a:ext cx="3318537" cy="461665"/>
           </a:xfrm>
           <a:prstGeom prst="rect">
             <a:avLst/>
@@ -5094,18 +5074,25 @@
           <a:lstStyle/>
           <a:p>
             <a:r>
-              <a:rPr lang="mr-IN" sz="2400" dirty="0">
+              <a:rPr lang="en-US" sz="2400" dirty="0" err="1" smtClean="0">
                 <a:latin typeface="Courier"/>
                 <a:cs typeface="Courier"/>
               </a:rPr>
-              <a:t>ENV["JUPYTER"] = </a:t>
-            </a:r>
-            <a:r>
-              <a:rPr lang="en-US" sz="2400" dirty="0" smtClean="0">
+              <a:t>Pkg.add</a:t>
+            </a:r>
+            <a:r>
+              <a:rPr lang="en-US" sz="2400" dirty="0">
                 <a:latin typeface="Courier"/>
                 <a:cs typeface="Courier"/>
               </a:rPr>
-              <a:t>"</a:t>
+              <a:t>("</a:t>
+            </a:r>
+            <a:r>
+              <a:rPr lang="en-US" sz="2400" dirty="0" err="1" smtClean="0">
+                <a:latin typeface="Courier"/>
+                <a:cs typeface="Courier"/>
+              </a:rPr>
+              <a:t>IJulia</a:t>
             </a:r>
             <a:r>
               <a:rPr lang="en-US" sz="2400" dirty="0">
@@ -5114,40 +5101,6 @@
               </a:rPr>
               <a:t>"</a:t>
             </a:r>
-            <a:endParaRPr lang="en-US" sz="2400" dirty="0" smtClean="0">
-              <a:latin typeface="Courier"/>
-              <a:cs typeface="Courier"/>
-            </a:endParaRPr>
-          </a:p>
-          <a:p>
-            <a:r>
-              <a:rPr lang="en-US" sz="2400" dirty="0" err="1">
-                <a:latin typeface="Courier"/>
-                <a:cs typeface="Courier"/>
-              </a:rPr>
-              <a:t>Pkg.add</a:t>
-            </a:r>
-            <a:r>
-              <a:rPr lang="en-US" sz="2400" dirty="0">
-                <a:latin typeface="Courier"/>
-                <a:cs typeface="Courier"/>
-              </a:rPr>
-              <a:t>("</a:t>
-            </a:r>
-            <a:r>
-              <a:rPr lang="en-US" sz="2400" dirty="0" err="1" smtClean="0">
-                <a:latin typeface="Courier"/>
-                <a:cs typeface="Courier"/>
-              </a:rPr>
-              <a:t>IJulia</a:t>
-            </a:r>
-            <a:r>
-              <a:rPr lang="en-US" sz="2400" dirty="0">
-                <a:latin typeface="Courier"/>
-                <a:cs typeface="Courier"/>
-              </a:rPr>
-              <a:t>"</a:t>
-            </a:r>
             <a:r>
               <a:rPr lang="en-US" sz="2400" dirty="0" smtClean="0">
                 <a:latin typeface="Courier"/>
@@ -5166,7 +5119,7 @@
         </p:nvSpPr>
         <p:spPr>
           <a:xfrm>
-            <a:off x="2314908" y="5615874"/>
+            <a:off x="2314908" y="5200376"/>
             <a:ext cx="2401018" cy="830997"/>
           </a:xfrm>
           <a:prstGeom prst="rect">

--- a/lectures/lecture1/Course-overview.pptx
+++ b/lectures/lecture1/Course-overview.pptx
@@ -214,7 +214,7 @@
           <a:p>
             <a:fld id="{1F1F7F9C-49D3-454E-9B8D-9A9D1603A87C}" type="datetimeFigureOut">
               <a:rPr lang="en-US" smtClean="0"/>
-              <a:t>1/8/18</a:t>
+              <a:t>1/9/18</a:t>
             </a:fld>
             <a:endParaRPr lang="en-US"/>
           </a:p>
@@ -663,7 +663,7 @@
           <a:p>
             <a:fld id="{09D0395C-8A5B-CA45-A966-25AB2CC68A80}" type="datetimeFigureOut">
               <a:rPr lang="en-US" smtClean="0"/>
-              <a:t>1/8/18</a:t>
+              <a:t>1/9/18</a:t>
             </a:fld>
             <a:endParaRPr lang="en-US"/>
           </a:p>
@@ -833,7 +833,7 @@
           <a:p>
             <a:fld id="{09D0395C-8A5B-CA45-A966-25AB2CC68A80}" type="datetimeFigureOut">
               <a:rPr lang="en-US" smtClean="0"/>
-              <a:t>1/8/18</a:t>
+              <a:t>1/9/18</a:t>
             </a:fld>
             <a:endParaRPr lang="en-US"/>
           </a:p>
@@ -1013,7 +1013,7 @@
           <a:p>
             <a:fld id="{09D0395C-8A5B-CA45-A966-25AB2CC68A80}" type="datetimeFigureOut">
               <a:rPr lang="en-US" smtClean="0"/>
-              <a:t>1/8/18</a:t>
+              <a:t>1/9/18</a:t>
             </a:fld>
             <a:endParaRPr lang="en-US"/>
           </a:p>
@@ -1183,7 +1183,7 @@
           <a:p>
             <a:fld id="{09D0395C-8A5B-CA45-A966-25AB2CC68A80}" type="datetimeFigureOut">
               <a:rPr lang="en-US" smtClean="0"/>
-              <a:t>1/8/18</a:t>
+              <a:t>1/9/18</a:t>
             </a:fld>
             <a:endParaRPr lang="en-US"/>
           </a:p>
@@ -1429,7 +1429,7 @@
           <a:p>
             <a:fld id="{09D0395C-8A5B-CA45-A966-25AB2CC68A80}" type="datetimeFigureOut">
               <a:rPr lang="en-US" smtClean="0"/>
-              <a:t>1/8/18</a:t>
+              <a:t>1/9/18</a:t>
             </a:fld>
             <a:endParaRPr lang="en-US"/>
           </a:p>
@@ -1717,7 +1717,7 @@
           <a:p>
             <a:fld id="{09D0395C-8A5B-CA45-A966-25AB2CC68A80}" type="datetimeFigureOut">
               <a:rPr lang="en-US" smtClean="0"/>
-              <a:t>1/8/18</a:t>
+              <a:t>1/9/18</a:t>
             </a:fld>
             <a:endParaRPr lang="en-US"/>
           </a:p>
@@ -2139,7 +2139,7 @@
           <a:p>
             <a:fld id="{09D0395C-8A5B-CA45-A966-25AB2CC68A80}" type="datetimeFigureOut">
               <a:rPr lang="en-US" smtClean="0"/>
-              <a:t>1/8/18</a:t>
+              <a:t>1/9/18</a:t>
             </a:fld>
             <a:endParaRPr lang="en-US"/>
           </a:p>
@@ -2257,7 +2257,7 @@
           <a:p>
             <a:fld id="{09D0395C-8A5B-CA45-A966-25AB2CC68A80}" type="datetimeFigureOut">
               <a:rPr lang="en-US" smtClean="0"/>
-              <a:t>1/8/18</a:t>
+              <a:t>1/9/18</a:t>
             </a:fld>
             <a:endParaRPr lang="en-US"/>
           </a:p>
@@ -2352,7 +2352,7 @@
           <a:p>
             <a:fld id="{09D0395C-8A5B-CA45-A966-25AB2CC68A80}" type="datetimeFigureOut">
               <a:rPr lang="en-US" smtClean="0"/>
-              <a:t>1/8/18</a:t>
+              <a:t>1/9/18</a:t>
             </a:fld>
             <a:endParaRPr lang="en-US"/>
           </a:p>
@@ -2629,7 +2629,7 @@
           <a:p>
             <a:fld id="{09D0395C-8A5B-CA45-A966-25AB2CC68A80}" type="datetimeFigureOut">
               <a:rPr lang="en-US" smtClean="0"/>
-              <a:t>1/8/18</a:t>
+              <a:t>1/9/18</a:t>
             </a:fld>
             <a:endParaRPr lang="en-US"/>
           </a:p>
@@ -2882,7 +2882,7 @@
           <a:p>
             <a:fld id="{09D0395C-8A5B-CA45-A966-25AB2CC68A80}" type="datetimeFigureOut">
               <a:rPr lang="en-US" smtClean="0"/>
-              <a:t>1/8/18</a:t>
+              <a:t>1/9/18</a:t>
             </a:fld>
             <a:endParaRPr lang="en-US"/>
           </a:p>
@@ -3095,7 +3095,7 @@
           <a:p>
             <a:fld id="{09D0395C-8A5B-CA45-A966-25AB2CC68A80}" type="datetimeFigureOut">
               <a:rPr lang="en-US" smtClean="0"/>
-              <a:t>1/8/18</a:t>
+              <a:t>1/9/18</a:t>
             </a:fld>
             <a:endParaRPr lang="en-US"/>
           </a:p>
@@ -3498,15 +3498,7 @@
                   <a:srgbClr val="0000FF"/>
                 </a:solidFill>
               </a:rPr>
-              <a:t>MIT Course 18.S096, IAP </a:t>
-            </a:r>
-            <a:r>
-              <a:rPr lang="en-US" dirty="0" smtClean="0">
-                <a:solidFill>
-                  <a:srgbClr val="0000FF"/>
-                </a:solidFill>
-              </a:rPr>
-              <a:t>2018</a:t>
+              <a:t>MIT Course 18.S096, IAP 2018</a:t>
             </a:r>
             <a:r>
               <a:rPr lang="en-US" dirty="0" smtClean="0">
@@ -3584,33 +3576,17 @@
                   <a:srgbClr val="0000FF"/>
                 </a:solidFill>
               </a:rPr>
-              <a:t>Alan Edelman &amp; Steven G. </a:t>
-            </a:r>
+              <a:t>Alan Edelman &amp; Steven G. Johnson,</a:t>
+            </a:r>
+          </a:p>
+          <a:p>
             <a:r>
               <a:rPr lang="en-US" dirty="0" smtClean="0">
                 <a:solidFill>
                   <a:srgbClr val="0000FF"/>
                 </a:solidFill>
               </a:rPr>
-              <a:t>Johnson,</a:t>
-            </a:r>
-          </a:p>
-          <a:p>
-            <a:r>
-              <a:rPr lang="en-US" dirty="0" smtClean="0">
-                <a:solidFill>
-                  <a:srgbClr val="0000FF"/>
-                </a:solidFill>
-              </a:rPr>
-              <a:t>MIT Applied </a:t>
-            </a:r>
-            <a:r>
-              <a:rPr lang="en-US" dirty="0" smtClean="0">
-                <a:solidFill>
-                  <a:srgbClr val="0000FF"/>
-                </a:solidFill>
-              </a:rPr>
-              <a:t>Math</a:t>
+              <a:t>MIT Applied Math</a:t>
             </a:r>
           </a:p>
           <a:p>
@@ -3661,11 +3637,6 @@
               </a:rPr>
               <a:t>/18S096</a:t>
             </a:r>
-            <a:endParaRPr lang="en-US" dirty="0">
-              <a:solidFill>
-                <a:schemeClr val="tx1"/>
-              </a:solidFill>
-            </a:endParaRPr>
           </a:p>
         </p:txBody>
       </p:sp>
@@ -3746,21 +3717,13 @@
           <a:p>
             <a:r>
               <a:rPr lang="en-US" dirty="0" smtClean="0"/>
-              <a:t>Lectures Tues/Wed/Fri </a:t>
-            </a:r>
+              <a:t>Lectures Tues/Wed/Fri 2–4pm, 2-135</a:t>
+            </a:r>
+          </a:p>
+          <a:p>
             <a:r>
               <a:rPr lang="en-US" dirty="0" smtClean="0"/>
-              <a:t>2–4pm, 2-135</a:t>
-            </a:r>
-          </a:p>
-          <a:p>
-            <a:r>
-              <a:rPr lang="en-US" dirty="0" smtClean="0"/>
-              <a:t>“Lab</a:t>
-            </a:r>
-            <a:r>
-              <a:rPr lang="en-US" dirty="0" smtClean="0"/>
-              <a:t>” Thursday 2pm: Programming practice</a:t>
+              <a:t>“Lab” Thursday 2pm: Graded attendance</a:t>
             </a:r>
           </a:p>
           <a:p>
@@ -3785,15 +3748,13 @@
                   <a:srgbClr val="FF0000"/>
                 </a:solidFill>
               </a:rPr>
-              <a:t>We give you slow code, you give us fast </a:t>
-            </a:r>
-            <a:r>
-              <a:rPr lang="en-US" dirty="0" smtClean="0">
-                <a:solidFill>
-                  <a:srgbClr val="FF0000"/>
-                </a:solidFill>
-              </a:rPr>
-              <a:t>code</a:t>
+              <a:t>We give you slow code, you give us fast code</a:t>
+            </a:r>
+          </a:p>
+          <a:p>
+            <a:r>
+              <a:rPr lang="en-US" dirty="0" smtClean="0"/>
+              <a:t>4 units, A–F grading</a:t>
             </a:r>
           </a:p>
         </p:txBody>
@@ -4400,14 +4361,30 @@
             <a:pPr algn="ctr"/>
             <a:r>
               <a:rPr lang="en-US" dirty="0" smtClean="0"/>
-              <a:t>[begun 2009, “0.1” in 2013, ~30k commits,</a:t>
+              <a:t>[begun 2009, “0.1” in 2013, </a:t>
+            </a:r>
+            <a:r>
+              <a:rPr lang="en-US" dirty="0" smtClean="0"/>
+              <a:t>~40k </a:t>
+            </a:r>
+            <a:r>
+              <a:rPr lang="en-US" dirty="0" smtClean="0"/>
+              <a:t>commits,</a:t>
             </a:r>
           </a:p>
           <a:p>
             <a:pPr algn="ctr"/>
             <a:r>
               <a:rPr lang="en-US" dirty="0" smtClean="0"/>
-              <a:t>“0.5” release in Fall 2016 ]</a:t>
+              <a:t>“0.6” release in </a:t>
+            </a:r>
+            <a:r>
+              <a:rPr lang="en-US" dirty="0" smtClean="0"/>
+              <a:t>June 2017 </a:t>
+            </a:r>
+            <a:r>
+              <a:rPr lang="en-US" dirty="0" smtClean="0"/>
+              <a:t>]</a:t>
             </a:r>
             <a:endParaRPr lang="en-US" dirty="0"/>
           </a:p>
@@ -4589,8 +4566,8 @@
         </p:nvSpPr>
         <p:spPr>
           <a:xfrm>
-            <a:off x="-291893" y="4230357"/>
-            <a:ext cx="4935403" cy="646331"/>
+            <a:off x="-39473" y="4230357"/>
+            <a:ext cx="4615494" cy="646331"/>
           </a:xfrm>
           <a:prstGeom prst="rect">
             <a:avLst/>
@@ -4610,7 +4587,23 @@
                   <a:srgbClr val="0000FF"/>
                 </a:solidFill>
               </a:rPr>
-              <a:t>[ 30+ developers with 100+ commits,</a:t>
+              <a:t>[ </a:t>
+            </a:r>
+            <a:r>
+              <a:rPr lang="en-US" dirty="0" smtClean="0">
+                <a:solidFill>
+                  <a:srgbClr val="0000FF"/>
+                </a:solidFill>
+              </a:rPr>
+              <a:t>40</a:t>
+            </a:r>
+            <a:r>
+              <a:rPr lang="en-US" dirty="0" smtClean="0">
+                <a:solidFill>
+                  <a:srgbClr val="0000FF"/>
+                </a:solidFill>
+              </a:rPr>
+              <a:t>+ developers with 100+ commits,</a:t>
             </a:r>
           </a:p>
           <a:p>
@@ -4629,7 +4622,23 @@
                   <a:srgbClr val="0000FF"/>
                 </a:solidFill>
               </a:rPr>
-              <a:t>800+ external packages, 2</a:t>
+              <a:t>1600+ </a:t>
+            </a:r>
+            <a:r>
+              <a:rPr lang="en-US" dirty="0" smtClean="0">
+                <a:solidFill>
+                  <a:srgbClr val="0000FF"/>
+                </a:solidFill>
+              </a:rPr>
+              <a:t>external packages, </a:t>
+            </a:r>
+            <a:r>
+              <a:rPr lang="en-US" dirty="0" smtClean="0">
+                <a:solidFill>
+                  <a:srgbClr val="0000FF"/>
+                </a:solidFill>
+              </a:rPr>
+              <a:t>5</a:t>
             </a:r>
             <a:r>
               <a:rPr lang="en-US" baseline="30000" dirty="0" smtClean="0">
@@ -4637,7 +4646,7 @@
                   <a:srgbClr val="0000FF"/>
                 </a:solidFill>
               </a:rPr>
-              <a:t>nd</a:t>
+              <a:t>th</a:t>
             </a:r>
             <a:r>
               <a:rPr lang="en-US" dirty="0" smtClean="0">
@@ -4661,7 +4670,15 @@
                   <a:srgbClr val="0000FF"/>
                 </a:solidFill>
               </a:rPr>
-              <a:t> in 2015 ]</a:t>
+              <a:t> in </a:t>
+            </a:r>
+            <a:r>
+              <a:rPr lang="en-US" dirty="0" smtClean="0">
+                <a:solidFill>
+                  <a:srgbClr val="0000FF"/>
+                </a:solidFill>
+              </a:rPr>
+              <a:t>2018 ]</a:t>
             </a:r>
             <a:endParaRPr lang="en-US" dirty="0">
               <a:solidFill>
@@ -4958,15 +4975,7 @@
             <a:pPr lvl="1"/>
             <a:r>
               <a:rPr lang="en-US" dirty="0" smtClean="0"/>
-              <a:t>Download Julia </a:t>
-            </a:r>
-            <a:r>
-              <a:rPr lang="en-US" dirty="0" smtClean="0"/>
-              <a:t>0.6 </a:t>
-            </a:r>
-            <a:r>
-              <a:rPr lang="en-US" dirty="0" smtClean="0"/>
-              <a:t>from </a:t>
+              <a:t>Download Julia 0.6 from </a:t>
             </a:r>
             <a:r>
               <a:rPr lang="en-US" dirty="0" err="1" smtClean="0">
